--- a/CheatSheet.pptx
+++ b/CheatSheet.pptx
@@ -197,7 +197,7 @@
           <a:p>
             <a:fld id="{9071F0B0-1890-FD47-B8C0-0E8DD99AB1EB}" type="datetimeFigureOut">
               <a:rPr lang="en-CN" smtClean="0"/>
-              <a:t>2024/11/19</a:t>
+              <a:t>2024/12/1</a:t>
             </a:fld>
             <a:endParaRPr lang="en-CN"/>
           </a:p>
@@ -685,7 +685,7 @@
           <a:p>
             <a:fld id="{9BAD9BFC-3D75-E94F-A29D-2F1B9ADA1AF9}" type="datetimeFigureOut">
               <a:rPr lang="en-CN" smtClean="0"/>
-              <a:t>2024/11/19</a:t>
+              <a:t>2024/12/1</a:t>
             </a:fld>
             <a:endParaRPr lang="en-CN"/>
           </a:p>
@@ -855,7 +855,7 @@
           <a:p>
             <a:fld id="{9BAD9BFC-3D75-E94F-A29D-2F1B9ADA1AF9}" type="datetimeFigureOut">
               <a:rPr lang="en-CN" smtClean="0"/>
-              <a:t>2024/11/19</a:t>
+              <a:t>2024/12/1</a:t>
             </a:fld>
             <a:endParaRPr lang="en-CN"/>
           </a:p>
@@ -1035,7 +1035,7 @@
           <a:p>
             <a:fld id="{9BAD9BFC-3D75-E94F-A29D-2F1B9ADA1AF9}" type="datetimeFigureOut">
               <a:rPr lang="en-CN" smtClean="0"/>
-              <a:t>2024/11/19</a:t>
+              <a:t>2024/12/1</a:t>
             </a:fld>
             <a:endParaRPr lang="en-CN"/>
           </a:p>
@@ -1205,7 +1205,7 @@
           <a:p>
             <a:fld id="{9BAD9BFC-3D75-E94F-A29D-2F1B9ADA1AF9}" type="datetimeFigureOut">
               <a:rPr lang="en-CN" smtClean="0"/>
-              <a:t>2024/11/19</a:t>
+              <a:t>2024/12/1</a:t>
             </a:fld>
             <a:endParaRPr lang="en-CN"/>
           </a:p>
@@ -1449,7 +1449,7 @@
           <a:p>
             <a:fld id="{9BAD9BFC-3D75-E94F-A29D-2F1B9ADA1AF9}" type="datetimeFigureOut">
               <a:rPr lang="en-CN" smtClean="0"/>
-              <a:t>2024/11/19</a:t>
+              <a:t>2024/12/1</a:t>
             </a:fld>
             <a:endParaRPr lang="en-CN"/>
           </a:p>
@@ -1681,7 +1681,7 @@
           <a:p>
             <a:fld id="{9BAD9BFC-3D75-E94F-A29D-2F1B9ADA1AF9}" type="datetimeFigureOut">
               <a:rPr lang="en-CN" smtClean="0"/>
-              <a:t>2024/11/19</a:t>
+              <a:t>2024/12/1</a:t>
             </a:fld>
             <a:endParaRPr lang="en-CN"/>
           </a:p>
@@ -2048,7 +2048,7 @@
           <a:p>
             <a:fld id="{9BAD9BFC-3D75-E94F-A29D-2F1B9ADA1AF9}" type="datetimeFigureOut">
               <a:rPr lang="en-CN" smtClean="0"/>
-              <a:t>2024/11/19</a:t>
+              <a:t>2024/12/1</a:t>
             </a:fld>
             <a:endParaRPr lang="en-CN"/>
           </a:p>
@@ -2166,7 +2166,7 @@
           <a:p>
             <a:fld id="{9BAD9BFC-3D75-E94F-A29D-2F1B9ADA1AF9}" type="datetimeFigureOut">
               <a:rPr lang="en-CN" smtClean="0"/>
-              <a:t>2024/11/19</a:t>
+              <a:t>2024/12/1</a:t>
             </a:fld>
             <a:endParaRPr lang="en-CN"/>
           </a:p>
@@ -2261,7 +2261,7 @@
           <a:p>
             <a:fld id="{9BAD9BFC-3D75-E94F-A29D-2F1B9ADA1AF9}" type="datetimeFigureOut">
               <a:rPr lang="en-CN" smtClean="0"/>
-              <a:t>2024/11/19</a:t>
+              <a:t>2024/12/1</a:t>
             </a:fld>
             <a:endParaRPr lang="en-CN"/>
           </a:p>
@@ -2538,7 +2538,7 @@
           <a:p>
             <a:fld id="{9BAD9BFC-3D75-E94F-A29D-2F1B9ADA1AF9}" type="datetimeFigureOut">
               <a:rPr lang="en-CN" smtClean="0"/>
-              <a:t>2024/11/19</a:t>
+              <a:t>2024/12/1</a:t>
             </a:fld>
             <a:endParaRPr lang="en-CN"/>
           </a:p>
@@ -2795,7 +2795,7 @@
           <a:p>
             <a:fld id="{9BAD9BFC-3D75-E94F-A29D-2F1B9ADA1AF9}" type="datetimeFigureOut">
               <a:rPr lang="en-CN" smtClean="0"/>
-              <a:t>2024/11/19</a:t>
+              <a:t>2024/12/1</a:t>
             </a:fld>
             <a:endParaRPr lang="en-CN"/>
           </a:p>
@@ -3008,7 +3008,7 @@
           <a:p>
             <a:fld id="{9BAD9BFC-3D75-E94F-A29D-2F1B9ADA1AF9}" type="datetimeFigureOut">
               <a:rPr lang="en-CN" smtClean="0"/>
-              <a:t>2024/11/19</a:t>
+              <a:t>2024/12/1</a:t>
             </a:fld>
             <a:endParaRPr lang="en-CN"/>
           </a:p>
@@ -3415,6 +3415,88 @@
       </p:grpSpPr>
       <p:sp>
         <p:nvSpPr>
+          <p:cNvPr id="8" name="TextBox 7">
+            <a:extLst>
+              <a:ext uri="{FF2B5EF4-FFF2-40B4-BE49-F238E27FC236}">
+                <a16:creationId xmlns:a16="http://schemas.microsoft.com/office/drawing/2014/main" id="{02AE80AA-101D-C991-25B6-2DEBA8ED2DDF}"/>
+              </a:ext>
+            </a:extLst>
+          </p:cNvPr>
+          <p:cNvSpPr txBox="1"/>
+          <p:nvPr/>
+        </p:nvSpPr>
+        <p:spPr>
+          <a:xfrm>
+            <a:off x="5818356" y="186798"/>
+            <a:ext cx="1039644" cy="276999"/>
+          </a:xfrm>
+          <a:prstGeom prst="rect">
+            <a:avLst/>
+          </a:prstGeom>
+          <a:noFill/>
+        </p:spPr>
+        <p:txBody>
+          <a:bodyPr wrap="none" rtlCol="0">
+            <a:spAutoFit/>
+          </a:bodyPr>
+          <a:lstStyle/>
+          <a:p>
+            <a:r>
+              <a:rPr lang="en-CN" sz="1200" i="1" dirty="0"/>
+              <a:t>Yunzhe Zheng</a:t>
+            </a:r>
+          </a:p>
+        </p:txBody>
+      </p:sp>
+      <p:pic>
+        <p:nvPicPr>
+          <p:cNvPr id="1026" name="Picture 2" descr="Efficient Simulation of Clifford Circuits | PennyLane Demos">
+            <a:extLst>
+              <a:ext uri="{FF2B5EF4-FFF2-40B4-BE49-F238E27FC236}">
+                <a16:creationId xmlns:a16="http://schemas.microsoft.com/office/drawing/2014/main" id="{DFB810C8-570B-8C0E-D516-3ADEFB55C7C7}"/>
+              </a:ext>
+            </a:extLst>
+          </p:cNvPr>
+          <p:cNvPicPr>
+            <a:picLocks noChangeAspect="1" noChangeArrowheads="1"/>
+          </p:cNvPicPr>
+          <p:nvPr/>
+        </p:nvPicPr>
+        <p:blipFill>
+          <a:blip r:embed="rId3">
+            <a:extLst>
+              <a:ext uri="{28A0092B-C50C-407E-A947-70E740481C1C}">
+                <a14:useLocalDpi xmlns:a14="http://schemas.microsoft.com/office/drawing/2010/main" val="0"/>
+              </a:ext>
+            </a:extLst>
+          </a:blip>
+          <a:srcRect/>
+          <a:stretch>
+            <a:fillRect/>
+          </a:stretch>
+        </p:blipFill>
+        <p:spPr bwMode="auto">
+          <a:xfrm>
+            <a:off x="4915639" y="784125"/>
+            <a:ext cx="1473792" cy="1335965"/>
+          </a:xfrm>
+          <a:prstGeom prst="rect">
+            <a:avLst/>
+          </a:prstGeom>
+          <a:noFill/>
+          <a:extLst>
+            <a:ext uri="{909E8E84-426E-40DD-AFC4-6F175D3DCCD1}">
+              <a14:hiddenFill xmlns:a14="http://schemas.microsoft.com/office/drawing/2010/main">
+                <a:solidFill>
+                  <a:srgbClr val="FFFFFF"/>
+                </a:solidFill>
+              </a14:hiddenFill>
+            </a:ext>
+          </a:extLst>
+        </p:spPr>
+      </p:pic>
+      <p:sp>
+        <p:nvSpPr>
           <p:cNvPr id="4" name="TextBox 3">
             <a:extLst>
               <a:ext uri="{FF2B5EF4-FFF2-40B4-BE49-F238E27FC236}">
@@ -3512,9 +3594,9 @@
         <p:grpSpPr>
           <a:xfrm>
             <a:off x="0" y="430063"/>
-            <a:ext cx="3773790" cy="666525"/>
+            <a:ext cx="5203669" cy="1005335"/>
             <a:chOff x="0" y="464533"/>
-            <a:chExt cx="3773789" cy="666525"/>
+            <a:chExt cx="5203668" cy="1005335"/>
           </a:xfrm>
         </p:grpSpPr>
         <p:sp>
@@ -3580,7 +3662,7 @@
           <p:spPr>
             <a:xfrm>
               <a:off x="0" y="699914"/>
-              <a:ext cx="3773789" cy="431144"/>
+              <a:ext cx="5203668" cy="769954"/>
             </a:xfrm>
             <a:prstGeom prst="rect">
               <a:avLst/>
@@ -3592,6 +3674,62 @@
               <a:spAutoFit/>
             </a:bodyPr>
             <a:lstStyle/>
+            <a:p>
+              <a:r>
+                <a:rPr lang="en-US" altLang="zh-CN" sz="1101" b="1" i="1" dirty="0"/>
+                <a:t>- </a:t>
+              </a:r>
+              <a:r>
+                <a:rPr lang="en-US" altLang="zh-CN" sz="1101" b="1" i="1" dirty="0">
+                  <a:solidFill>
+                    <a:schemeClr val="accent1"/>
+                  </a:solidFill>
+                </a:rPr>
+                <a:t>Quantum Computing (QC)</a:t>
+              </a:r>
+              <a:r>
+                <a:rPr lang="en-US" altLang="zh-CN" sz="1101" b="1" i="1" dirty="0"/>
+                <a:t> </a:t>
+              </a:r>
+              <a:r>
+                <a:rPr lang="en-US" altLang="zh-CN" sz="1101" i="1" dirty="0"/>
+                <a:t>need</a:t>
+              </a:r>
+              <a:r>
+                <a:rPr lang="en-US" altLang="zh-CN" sz="1101" b="1" i="1" dirty="0"/>
+                <a:t> </a:t>
+              </a:r>
+              <a:r>
+                <a:rPr lang="en-US" altLang="zh-CN" sz="1101" b="1" i="1" dirty="0">
+                  <a:solidFill>
+                    <a:schemeClr val="accent1"/>
+                  </a:solidFill>
+                </a:rPr>
+                <a:t>Quantum Error Correction (QEC) </a:t>
+              </a:r>
+              <a:r>
+                <a:rPr lang="en-US" altLang="zh-CN" sz="1101" i="1" dirty="0"/>
+                <a:t>for noise robustness.</a:t>
+              </a:r>
+            </a:p>
+            <a:p>
+              <a:r>
+                <a:rPr lang="en-US" altLang="zh-CN" sz="1101" b="1" i="1" dirty="0"/>
+                <a:t>- </a:t>
+              </a:r>
+              <a:r>
+                <a:rPr lang="en-US" altLang="zh-CN" sz="1101" b="1" i="1" dirty="0">
+                  <a:solidFill>
+                    <a:schemeClr val="accent1"/>
+                  </a:solidFill>
+                </a:rPr>
+                <a:t>Clifford gates </a:t>
+              </a:r>
+              <a:r>
+                <a:rPr lang="en-US" altLang="zh-CN" sz="1101" i="1" dirty="0"/>
+                <a:t>are fault-tolerant in common QEC codes.</a:t>
+              </a:r>
+            </a:p>
             <a:p>
               <a:r>
                 <a:rPr lang="en-US" altLang="zh-CN" sz="1101" b="1" i="1" dirty="0">
@@ -3778,7 +3916,7 @@
         </p:nvGrpSpPr>
         <p:grpSpPr>
           <a:xfrm>
-            <a:off x="-1437" y="3816184"/>
+            <a:off x="-1436" y="4361749"/>
             <a:ext cx="3391185" cy="863712"/>
             <a:chOff x="-1437" y="2962481"/>
             <a:chExt cx="3391186" cy="863713"/>
@@ -4206,7 +4344,7 @@
                   <a:avLst/>
                 </a:prstGeom>
                 <a:blipFill>
-                  <a:blip r:embed="rId3"/>
+                  <a:blip r:embed="rId4"/>
                   <a:stretch>
                     <a:fillRect b="-3922"/>
                   </a:stretch>
@@ -4302,7 +4440,7 @@
         </p:nvSpPr>
         <p:spPr>
           <a:xfrm>
-            <a:off x="85748" y="6918659"/>
+            <a:off x="102789" y="7125482"/>
             <a:ext cx="1465466" cy="284245"/>
           </a:xfrm>
           <a:prstGeom prst="rect">
@@ -4362,10 +4500,10 @@
         </p:nvGrpSpPr>
         <p:grpSpPr>
           <a:xfrm>
-            <a:off x="-1436" y="1251364"/>
-            <a:ext cx="4721356" cy="1163003"/>
+            <a:off x="-17349" y="1421373"/>
+            <a:ext cx="4721356" cy="1501813"/>
             <a:chOff x="-1437" y="1251364"/>
-            <a:chExt cx="4721356" cy="1163003"/>
+            <a:chExt cx="4721356" cy="1501813"/>
           </a:xfrm>
         </p:grpSpPr>
         <p:sp>
@@ -4468,8 +4606,8 @@
             </a:p>
           </p:txBody>
         </p:sp>
-        <mc:AlternateContent xmlns:mc="http://schemas.openxmlformats.org/markup-compatibility/2006" xmlns:a14="http://schemas.microsoft.com/office/drawing/2010/main">
-          <mc:Choice Requires="a14">
+        <mc:AlternateContent xmlns:mc="http://schemas.openxmlformats.org/markup-compatibility/2006">
+          <mc:Choice xmlns:a14="http://schemas.microsoft.com/office/drawing/2010/main" Requires="a14">
             <p:sp>
               <p:nvSpPr>
                 <p:cNvPr id="12" name="TextBox 11">
@@ -4485,7 +4623,7 @@
               <p:spPr>
                 <a:xfrm>
                   <a:off x="-1437" y="1475007"/>
-                  <a:ext cx="4721356" cy="939360"/>
+                  <a:ext cx="4721356" cy="1278170"/>
                 </a:xfrm>
                 <a:prstGeom prst="rect">
                   <a:avLst/>
@@ -4582,6 +4720,174 @@
                     <a:rPr lang="en-US" altLang="zh-CN" sz="1101" dirty="0"/>
                     <a:t>.</a:t>
                   </a:r>
+                </a:p>
+                <a:p>
+                  <a:pPr marL="171443" indent="-171443">
+                    <a:buFontTx/>
+                    <a:buChar char="-"/>
+                  </a:pPr>
+                  <a:r>
+                    <a:rPr lang="en-US" altLang="zh-CN" sz="1101" b="1" dirty="0"/>
+                    <a:t>Stabilizer</a:t>
+                  </a:r>
+                  <a:r>
+                    <a:rPr lang="zh-CN" altLang="en-US" sz="1101" b="1" dirty="0"/>
+                    <a:t> </a:t>
+                  </a:r>
+                  <a:r>
+                    <a:rPr lang="en-US" altLang="zh-CN" sz="1101" b="1" dirty="0"/>
+                    <a:t>codes: </a:t>
+                  </a:r>
+                  <a:r>
+                    <a:rPr lang="en-US" altLang="zh-CN" sz="1101" dirty="0"/>
+                    <a:t>QEC codes described by stabilizers </a:t>
+                  </a:r>
+                  <a14:m>
+                    <m:oMath xmlns:m="http://schemas.openxmlformats.org/officeDocument/2006/math">
+                      <m:sSub>
+                        <m:sSubPr>
+                          <m:ctrlPr>
+                            <a:rPr lang="en-US" altLang="zh-CN" sz="1101" i="1" smtClean="0">
+                              <a:latin typeface="Cambria Math" panose="02040503050406030204" pitchFamily="18" charset="0"/>
+                            </a:rPr>
+                          </m:ctrlPr>
+                        </m:sSubPr>
+                        <m:e>
+                          <m:r>
+                            <a:rPr lang="en-US" altLang="zh-CN" sz="1101" b="0" i="1" smtClean="0">
+                              <a:latin typeface="Cambria Math" panose="02040503050406030204" pitchFamily="18" charset="0"/>
+                            </a:rPr>
+                            <m:t>𝑆</m:t>
+                          </m:r>
+                        </m:e>
+                        <m:sub>
+                          <m:r>
+                            <a:rPr lang="en-US" altLang="zh-CN" sz="1101" b="0" i="1" smtClean="0">
+                              <a:latin typeface="Cambria Math" panose="02040503050406030204" pitchFamily="18" charset="0"/>
+                            </a:rPr>
+                            <m:t>𝑖</m:t>
+                          </m:r>
+                        </m:sub>
+                      </m:sSub>
+                    </m:oMath>
+                  </a14:m>
+                  <a:r>
+                    <a:rPr lang="en-US" altLang="zh-CN" sz="1101" dirty="0"/>
+                    <a:t> </a:t>
+                  </a:r>
+                  <a:r>
+                    <a:rPr lang="en-US" altLang="zh-CN" sz="1101" dirty="0" err="1"/>
+                    <a:t>s.t.</a:t>
+                  </a:r>
+                  <a:endParaRPr lang="en-US" altLang="zh-CN" sz="1101" dirty="0"/>
+                </a:p>
+                <a:p>
+                  <a:pPr lvl="1"/>
+                  <a:r>
+                    <a:rPr lang="en-US" altLang="zh-CN" sz="1101" b="1" dirty="0"/>
+                    <a:t> </a:t>
+                  </a:r>
+                  <a14:m>
+                    <m:oMath xmlns:m="http://schemas.openxmlformats.org/officeDocument/2006/math">
+                      <m:sSub>
+                        <m:sSubPr>
+                          <m:ctrlPr>
+                            <a:rPr lang="en-US" altLang="zh-CN" sz="1101" i="1" smtClean="0">
+                              <a:latin typeface="Cambria Math" panose="02040503050406030204" pitchFamily="18" charset="0"/>
+                            </a:rPr>
+                          </m:ctrlPr>
+                        </m:sSubPr>
+                        <m:e>
+                          <m:r>
+                            <a:rPr lang="en-US" altLang="zh-CN" sz="1101" b="0" i="1" smtClean="0">
+                              <a:latin typeface="Cambria Math" panose="02040503050406030204" pitchFamily="18" charset="0"/>
+                            </a:rPr>
+                            <m:t>𝑆</m:t>
+                          </m:r>
+                        </m:e>
+                        <m:sub>
+                          <m:r>
+                            <a:rPr lang="en-US" altLang="zh-CN" sz="1101" b="0" i="1" smtClean="0">
+                              <a:latin typeface="Cambria Math" panose="02040503050406030204" pitchFamily="18" charset="0"/>
+                            </a:rPr>
+                            <m:t>𝑖</m:t>
+                          </m:r>
+                        </m:sub>
+                      </m:sSub>
+                      <m:d>
+                        <m:dPr>
+                          <m:begChr m:val="|"/>
+                          <m:endChr m:val="⟩"/>
+                          <m:ctrlPr>
+                            <a:rPr lang="en-US" altLang="zh-CN" sz="1101" i="1" smtClean="0">
+                              <a:latin typeface="Cambria Math" panose="02040503050406030204" pitchFamily="18" charset="0"/>
+                            </a:rPr>
+                          </m:ctrlPr>
+                        </m:dPr>
+                        <m:e>
+                          <m:r>
+                            <a:rPr lang="en-US" altLang="zh-CN" sz="1101" b="0" i="1" smtClean="0">
+                              <a:latin typeface="Cambria Math" panose="02040503050406030204" pitchFamily="18" charset="0"/>
+                            </a:rPr>
+                            <m:t>𝜓</m:t>
+                          </m:r>
+                        </m:e>
+                      </m:d>
+                      <m:r>
+                        <a:rPr lang="en-US" altLang="zh-CN" sz="1101" b="0" i="1" smtClean="0">
+                          <a:latin typeface="Cambria Math" panose="02040503050406030204" pitchFamily="18" charset="0"/>
+                        </a:rPr>
+                        <m:t>=</m:t>
+                      </m:r>
+                      <m:d>
+                        <m:dPr>
+                          <m:begChr m:val="|"/>
+                          <m:endChr m:val="⟩"/>
+                          <m:ctrlPr>
+                            <a:rPr lang="en-US" altLang="zh-CN" sz="1101" i="1" smtClean="0">
+                              <a:latin typeface="Cambria Math" panose="02040503050406030204" pitchFamily="18" charset="0"/>
+                            </a:rPr>
+                          </m:ctrlPr>
+                        </m:dPr>
+                        <m:e>
+                          <m:r>
+                            <a:rPr lang="en-US" altLang="zh-CN" sz="1101" b="0" i="1" smtClean="0">
+                              <a:latin typeface="Cambria Math" panose="02040503050406030204" pitchFamily="18" charset="0"/>
+                            </a:rPr>
+                            <m:t>𝜓</m:t>
+                          </m:r>
+                        </m:e>
+                      </m:d>
+                    </m:oMath>
+                  </a14:m>
+                  <a:r>
+                    <a:rPr lang="en-US" altLang="zh-CN" sz="1101" dirty="0"/>
+                    <a:t> for all stabilizers and “good” states </a:t>
+                  </a:r>
+                  <a14:m>
+                    <m:oMath xmlns:m="http://schemas.openxmlformats.org/officeDocument/2006/math">
+                      <m:d>
+                        <m:dPr>
+                          <m:begChr m:val="|"/>
+                          <m:endChr m:val="⟩"/>
+                          <m:ctrlPr>
+                            <a:rPr lang="en-US" altLang="zh-CN" sz="1101" i="1">
+                              <a:latin typeface="Cambria Math" panose="02040503050406030204" pitchFamily="18" charset="0"/>
+                            </a:rPr>
+                          </m:ctrlPr>
+                        </m:dPr>
+                        <m:e>
+                          <m:r>
+                            <a:rPr lang="en-US" altLang="zh-CN" sz="1101" b="0" i="1">
+                              <a:latin typeface="Cambria Math" panose="02040503050406030204" pitchFamily="18" charset="0"/>
+                            </a:rPr>
+                            <m:t>𝜓</m:t>
+                          </m:r>
+                        </m:e>
+                      </m:d>
+                    </m:oMath>
+                  </a14:m>
+                  <a:endParaRPr lang="en-US" altLang="zh-CN" sz="1101" dirty="0"/>
                 </a:p>
                 <a:p>
                   <a:pPr marL="171443" indent="-171443">
@@ -4984,7 +5290,7 @@
               </p:txBody>
             </p:sp>
           </mc:Choice>
-          <mc:Fallback xmlns="">
+          <mc:Fallback>
             <p:sp>
               <p:nvSpPr>
                 <p:cNvPr id="12" name="TextBox 11">
@@ -5002,15 +5308,15 @@
               <p:spPr>
                 <a:xfrm>
                   <a:off x="-1437" y="1475007"/>
-                  <a:ext cx="4721356" cy="939360"/>
+                  <a:ext cx="4721356" cy="1278170"/>
                 </a:xfrm>
                 <a:prstGeom prst="rect">
                   <a:avLst/>
                 </a:prstGeom>
                 <a:blipFill>
-                  <a:blip r:embed="rId4"/>
+                  <a:blip r:embed="rId5"/>
                   <a:stretch>
-                    <a:fillRect b="-2667"/>
+                    <a:fillRect b="-1961"/>
                   </a:stretch>
                 </a:blipFill>
               </p:spPr>
@@ -5044,7 +5350,7 @@
         </p:nvGrpSpPr>
         <p:grpSpPr>
           <a:xfrm>
-            <a:off x="-1437" y="5012565"/>
+            <a:off x="-29817" y="5627471"/>
             <a:ext cx="4945456" cy="1253866"/>
             <a:chOff x="-1437" y="5012565"/>
             <a:chExt cx="4945456" cy="1253866"/>
@@ -5676,7 +5982,7 @@
                   <a:avLst/>
                 </a:prstGeom>
                 <a:blipFill>
-                  <a:blip r:embed="rId5"/>
+                  <a:blip r:embed="rId6"/>
                   <a:stretch>
                     <a:fillRect b="-2439"/>
                   </a:stretch>
@@ -5713,13 +6019,13 @@
           <p:nvPr/>
         </p:nvPicPr>
         <p:blipFill rotWithShape="1">
-          <a:blip r:embed="rId6"/>
+          <a:blip r:embed="rId7"/>
           <a:srcRect l="44688" t="13310"/>
           <a:stretch/>
         </p:blipFill>
         <p:spPr>
           <a:xfrm>
-            <a:off x="4290059" y="1944687"/>
+            <a:off x="4352690" y="2454721"/>
             <a:ext cx="2567941" cy="1335965"/>
           </a:xfrm>
           <a:prstGeom prst="rect">
@@ -5741,7 +6047,7 @@
         </p:nvGrpSpPr>
         <p:grpSpPr>
           <a:xfrm>
-            <a:off x="-1437" y="2489018"/>
+            <a:off x="0" y="2829226"/>
             <a:ext cx="3871073" cy="1344146"/>
             <a:chOff x="0" y="464533"/>
             <a:chExt cx="4318156" cy="1344146"/>
@@ -6386,7 +6692,7 @@
                   <a:avLst/>
                 </a:prstGeom>
                 <a:blipFill>
-                  <a:blip r:embed="rId7"/>
+                  <a:blip r:embed="rId8"/>
                   <a:stretch>
                     <a:fillRect b="-2273"/>
                   </a:stretch>
@@ -6460,53 +6766,6 @@
           </a:p>
         </p:txBody>
       </p:sp>
-      <p:pic>
-        <p:nvPicPr>
-          <p:cNvPr id="1026" name="Picture 2" descr="Efficient Simulation of Clifford Circuits | PennyLane Demos">
-            <a:extLst>
-              <a:ext uri="{FF2B5EF4-FFF2-40B4-BE49-F238E27FC236}">
-                <a16:creationId xmlns:a16="http://schemas.microsoft.com/office/drawing/2014/main" id="{DFB810C8-570B-8C0E-D516-3ADEFB55C7C7}"/>
-              </a:ext>
-            </a:extLst>
-          </p:cNvPr>
-          <p:cNvPicPr>
-            <a:picLocks noChangeAspect="1" noChangeArrowheads="1"/>
-          </p:cNvPicPr>
-          <p:nvPr/>
-        </p:nvPicPr>
-        <p:blipFill>
-          <a:blip r:embed="rId8">
-            <a:extLst>
-              <a:ext uri="{28A0092B-C50C-407E-A947-70E740481C1C}">
-                <a14:useLocalDpi xmlns:a14="http://schemas.microsoft.com/office/drawing/2010/main" val="0"/>
-              </a:ext>
-            </a:extLst>
-          </a:blip>
-          <a:srcRect/>
-          <a:stretch>
-            <a:fillRect/>
-          </a:stretch>
-        </p:blipFill>
-        <p:spPr bwMode="auto">
-          <a:xfrm>
-            <a:off x="4987914" y="428605"/>
-            <a:ext cx="1473792" cy="1335965"/>
-          </a:xfrm>
-          <a:prstGeom prst="rect">
-            <a:avLst/>
-          </a:prstGeom>
-          <a:noFill/>
-          <a:extLst>
-            <a:ext uri="{909E8E84-426E-40DD-AFC4-6F175D3DCCD1}">
-              <a14:hiddenFill xmlns:a14="http://schemas.microsoft.com/office/drawing/2010/main">
-                <a:solidFill>
-                  <a:srgbClr val="FFFFFF"/>
-                </a:solidFill>
-              </a14:hiddenFill>
-            </a:ext>
-          </a:extLst>
-        </p:spPr>
-      </p:pic>
       <p:sp>
         <p:nvSpPr>
           <p:cNvPr id="74" name="TextBox 73">
@@ -6521,7 +6780,7 @@
         </p:nvSpPr>
         <p:spPr>
           <a:xfrm>
-            <a:off x="5162827" y="1708684"/>
+            <a:off x="5090552" y="2064204"/>
             <a:ext cx="1239442" cy="230832"/>
           </a:xfrm>
           <a:prstGeom prst="rect">
@@ -6611,7 +6870,7 @@
         </p:blipFill>
         <p:spPr>
           <a:xfrm>
-            <a:off x="5139193" y="5404338"/>
+            <a:off x="5203669" y="5680557"/>
             <a:ext cx="1472845" cy="1221011"/>
           </a:xfrm>
           <a:prstGeom prst="rect">
@@ -6671,7 +6930,7 @@
         </p:blipFill>
         <p:spPr>
           <a:xfrm>
-            <a:off x="5154090" y="6812029"/>
+            <a:off x="5190474" y="7016165"/>
             <a:ext cx="1472400" cy="1220642"/>
           </a:xfrm>
           <a:prstGeom prst="rect">
@@ -6694,7 +6953,7 @@
         <p:spPr>
           <a:xfrm>
             <a:off x="108038" y="8419952"/>
-            <a:ext cx="2313518" cy="284245"/>
+            <a:ext cx="2436949" cy="284245"/>
           </a:xfrm>
           <a:prstGeom prst="rect">
             <a:avLst/>
@@ -6733,14 +6992,14 @@
             </a:r>
             <a:r>
               <a:rPr lang="en-US" altLang="zh-CN" sz="1247" b="1" i="1" dirty="0"/>
-              <a:t>diagram</a:t>
+              <a:t>diagram </a:t>
             </a:r>
             <a:endParaRPr lang="en-CN" sz="1247" b="1" i="1" dirty="0"/>
           </a:p>
         </p:txBody>
       </p:sp>
-      <mc:AlternateContent xmlns:mc="http://schemas.openxmlformats.org/markup-compatibility/2006" xmlns:a14="http://schemas.microsoft.com/office/drawing/2010/main">
-        <mc:Choice Requires="a14">
+      <mc:AlternateContent xmlns:mc="http://schemas.openxmlformats.org/markup-compatibility/2006">
+        <mc:Choice xmlns:a14="http://schemas.microsoft.com/office/drawing/2010/main" Requires="a14">
           <p:sp>
             <p:nvSpPr>
               <p:cNvPr id="82" name="TextBox 81">
@@ -6768,6 +7027,93 @@
                 <a:spAutoFit/>
               </a:bodyPr>
               <a:lstStyle/>
+              <a:p>
+                <a:pPr marL="171443" indent="-171443">
+                  <a:buFontTx/>
+                  <a:buChar char="-"/>
+                </a:pPr>
+                <a:r>
+                  <a:rPr lang="en-US" altLang="zh-CN" sz="1101" dirty="0"/>
+                  <a:t>Map</a:t>
+                </a:r>
+                <a:r>
+                  <a:rPr lang="zh-CN" altLang="en-US" sz="1101" dirty="0"/>
+                  <a:t> </a:t>
+                </a:r>
+                <a:r>
+                  <a:rPr lang="en-US" altLang="zh-CN" sz="1101" dirty="0"/>
+                  <a:t>MSD</a:t>
+                </a:r>
+                <a:r>
+                  <a:rPr lang="zh-CN" altLang="en-US" sz="1101" dirty="0"/>
+                  <a:t> </a:t>
+                </a:r>
+                <a:r>
+                  <a:rPr lang="en-US" altLang="zh-CN" sz="1101" dirty="0"/>
+                  <a:t>protocols</a:t>
+                </a:r>
+                <a:r>
+                  <a:rPr lang="zh-CN" altLang="en-US" sz="1101" dirty="0"/>
+                  <a:t> </a:t>
+                </a:r>
+                <a:r>
+                  <a:rPr lang="en-US" altLang="zh-CN" sz="1101" dirty="0"/>
+                  <a:t>to</a:t>
+                </a:r>
+                <a:r>
+                  <a:rPr lang="zh-CN" altLang="en-US" sz="1101" dirty="0"/>
+                  <a:t> </a:t>
+                </a:r>
+                <a:r>
+                  <a:rPr lang="en-US" altLang="zh-CN" sz="1101" dirty="0"/>
+                  <a:t>dynamic</a:t>
+                </a:r>
+                <a:r>
+                  <a:rPr lang="zh-CN" altLang="en-US" sz="1101" dirty="0"/>
+                  <a:t> </a:t>
+                </a:r>
+                <a:r>
+                  <a:rPr lang="en-US" altLang="zh-CN" sz="1101" dirty="0"/>
+                  <a:t>systems.</a:t>
+                </a:r>
+                <a:r>
+                  <a:rPr lang="zh-CN" altLang="en-US" sz="1101" dirty="0"/>
+                  <a:t> </a:t>
+                </a:r>
+                <a:r>
+                  <a:rPr lang="en-US" altLang="zh-CN" sz="1101" dirty="0"/>
+                  <a:t>See</a:t>
+                </a:r>
+                <a:r>
+                  <a:rPr lang="zh-CN" altLang="en-US" sz="1101" dirty="0"/>
+                  <a:t> </a:t>
+                </a:r>
+                <a:r>
+                  <a:rPr lang="en-US" altLang="zh-CN" sz="1101" dirty="0"/>
+                  <a:t>ref</a:t>
+                </a:r>
+                <a:r>
+                  <a:rPr lang="zh-CN" altLang="en-US" sz="1101" dirty="0"/>
+                  <a:t> </a:t>
+                </a:r>
+                <a:r>
+                  <a:rPr lang="en-US" altLang="zh-CN" sz="1101" dirty="0" err="1"/>
+                  <a:t>arxiv</a:t>
+                </a:r>
+                <a:r>
+                  <a:rPr lang="en-US" altLang="zh-CN" sz="1101" dirty="0"/>
+                  <a:t>:</a:t>
+                </a:r>
+                <a:r>
+                  <a:rPr lang="zh-CN" altLang="en-US" sz="1101" dirty="0"/>
+                  <a:t> </a:t>
+                </a:r>
+                <a:r>
+                  <a:rPr lang="en-US" altLang="zh-CN" sz="1101" dirty="0" err="1"/>
+                  <a:t>xxxx:xxxxx</a:t>
+                </a:r>
+                <a:endParaRPr lang="en-US" altLang="zh-CN" sz="1101" dirty="0"/>
+              </a:p>
               <a:p>
                 <a:pPr marL="171443" indent="-171443">
                   <a:buFontTx/>
@@ -7113,93 +7459,6 @@
                   <a:buFontTx/>
                   <a:buChar char="-"/>
                 </a:pPr>
-                <a:r>
-                  <a:rPr lang="en-US" altLang="zh-CN" sz="1101" dirty="0"/>
-                  <a:t>Map</a:t>
-                </a:r>
-                <a:r>
-                  <a:rPr lang="zh-CN" altLang="en-US" sz="1101" dirty="0"/>
-                  <a:t> </a:t>
-                </a:r>
-                <a:r>
-                  <a:rPr lang="en-US" altLang="zh-CN" sz="1101" dirty="0"/>
-                  <a:t>MSD</a:t>
-                </a:r>
-                <a:r>
-                  <a:rPr lang="zh-CN" altLang="en-US" sz="1101" dirty="0"/>
-                  <a:t> </a:t>
-                </a:r>
-                <a:r>
-                  <a:rPr lang="en-US" altLang="zh-CN" sz="1101" dirty="0"/>
-                  <a:t>protocols</a:t>
-                </a:r>
-                <a:r>
-                  <a:rPr lang="zh-CN" altLang="en-US" sz="1101" dirty="0"/>
-                  <a:t> </a:t>
-                </a:r>
-                <a:r>
-                  <a:rPr lang="en-US" altLang="zh-CN" sz="1101" dirty="0"/>
-                  <a:t>to</a:t>
-                </a:r>
-                <a:r>
-                  <a:rPr lang="zh-CN" altLang="en-US" sz="1101" dirty="0"/>
-                  <a:t> </a:t>
-                </a:r>
-                <a:r>
-                  <a:rPr lang="en-US" altLang="zh-CN" sz="1101" dirty="0"/>
-                  <a:t>dynamic</a:t>
-                </a:r>
-                <a:r>
-                  <a:rPr lang="zh-CN" altLang="en-US" sz="1101" dirty="0"/>
-                  <a:t> </a:t>
-                </a:r>
-                <a:r>
-                  <a:rPr lang="en-US" altLang="zh-CN" sz="1101" dirty="0"/>
-                  <a:t>systems.</a:t>
-                </a:r>
-                <a:r>
-                  <a:rPr lang="zh-CN" altLang="en-US" sz="1101" dirty="0"/>
-                  <a:t> </a:t>
-                </a:r>
-                <a:r>
-                  <a:rPr lang="en-US" altLang="zh-CN" sz="1101" dirty="0"/>
-                  <a:t>See</a:t>
-                </a:r>
-                <a:r>
-                  <a:rPr lang="zh-CN" altLang="en-US" sz="1101" dirty="0"/>
-                  <a:t> </a:t>
-                </a:r>
-                <a:r>
-                  <a:rPr lang="en-US" altLang="zh-CN" sz="1101" dirty="0"/>
-                  <a:t>ref</a:t>
-                </a:r>
-                <a:r>
-                  <a:rPr lang="zh-CN" altLang="en-US" sz="1101" dirty="0"/>
-                  <a:t> </a:t>
-                </a:r>
-                <a:r>
-                  <a:rPr lang="en-US" altLang="zh-CN" sz="1101" dirty="0" err="1"/>
-                  <a:t>arxiv</a:t>
-                </a:r>
-                <a:r>
-                  <a:rPr lang="en-US" altLang="zh-CN" sz="1101" dirty="0"/>
-                  <a:t>:</a:t>
-                </a:r>
-                <a:r>
-                  <a:rPr lang="zh-CN" altLang="en-US" sz="1101" dirty="0"/>
-                  <a:t> </a:t>
-                </a:r>
-                <a:r>
-                  <a:rPr lang="en-US" altLang="zh-CN" sz="1101" dirty="0" err="1"/>
-                  <a:t>xxxx:xxxxx</a:t>
-                </a:r>
-                <a:endParaRPr lang="en-US" altLang="zh-CN" sz="1101" dirty="0"/>
-              </a:p>
-              <a:p>
-                <a:pPr marL="171443" indent="-171443">
-                  <a:buFontTx/>
-                  <a:buChar char="-"/>
-                </a:pPr>
                 <a:endParaRPr lang="en-US" altLang="zh-CN" sz="1101" dirty="0"/>
               </a:p>
               <a:p>
@@ -7212,7 +7471,7 @@
             </p:txBody>
           </p:sp>
         </mc:Choice>
-        <mc:Fallback xmlns="">
+        <mc:Fallback>
           <p:sp>
             <p:nvSpPr>
               <p:cNvPr id="82" name="TextBox 81">
@@ -7257,8 +7516,8 @@
           </p:sp>
         </mc:Fallback>
       </mc:AlternateContent>
-      <mc:AlternateContent xmlns:mc="http://schemas.openxmlformats.org/markup-compatibility/2006" xmlns:a14="http://schemas.microsoft.com/office/drawing/2010/main">
-        <mc:Choice Requires="a14">
+      <mc:AlternateContent xmlns:mc="http://schemas.openxmlformats.org/markup-compatibility/2006">
+        <mc:Choice xmlns:a14="http://schemas.microsoft.com/office/drawing/2010/main" Requires="a14">
           <p:sp>
             <p:nvSpPr>
               <p:cNvPr id="85" name="TextBox 84">
@@ -7273,8 +7532,8 @@
             </p:nvSpPr>
             <p:spPr>
               <a:xfrm>
-                <a:off x="-1437" y="7160101"/>
-                <a:ext cx="4969630" cy="614977"/>
+                <a:off x="35325" y="7361415"/>
+                <a:ext cx="5019323" cy="769954"/>
               </a:xfrm>
               <a:prstGeom prst="rect">
                 <a:avLst/>
@@ -7476,12 +7735,22 @@
                   <a:buFontTx/>
                   <a:buChar char="-"/>
                 </a:pPr>
+                <a:r>
+                  <a:rPr lang="en-CN" sz="1101" dirty="0"/>
+                  <a:t>Hard to simulate with matrix method, but easily simulable using dynamic systems!</a:t>
+                </a:r>
+              </a:p>
+              <a:p>
+                <a:pPr marL="171443" indent="-171443">
+                  <a:buFontTx/>
+                  <a:buChar char="-"/>
+                </a:pPr>
                 <a:endParaRPr lang="en-CN" sz="1101" dirty="0"/>
               </a:p>
             </p:txBody>
           </p:sp>
         </mc:Choice>
-        <mc:Fallback xmlns="">
+        <mc:Fallback>
           <p:sp>
             <p:nvSpPr>
               <p:cNvPr id="85" name="TextBox 84">
@@ -7498,8 +7767,8 @@
             </p:nvSpPr>
             <p:spPr>
               <a:xfrm>
-                <a:off x="-1437" y="7160101"/>
-                <a:ext cx="4969630" cy="614977"/>
+                <a:off x="35325" y="7361415"/>
+                <a:ext cx="5019323" cy="769954"/>
               </a:xfrm>
               <a:prstGeom prst="rect">
                 <a:avLst/>
@@ -7548,7 +7817,7 @@
         </p:blipFill>
         <p:spPr>
           <a:xfrm>
-            <a:off x="5085376" y="3950513"/>
+            <a:off x="4511317" y="4422240"/>
             <a:ext cx="1580478" cy="1204174"/>
           </a:xfrm>
           <a:prstGeom prst="rect">

--- a/CheatSheet.pptx
+++ b/CheatSheet.pptx
@@ -197,7 +197,7 @@
           <a:p>
             <a:fld id="{9071F0B0-1890-FD47-B8C0-0E8DD99AB1EB}" type="datetimeFigureOut">
               <a:rPr lang="en-CN" smtClean="0"/>
-              <a:t>2024/12/1</a:t>
+              <a:t>2024/12/11</a:t>
             </a:fld>
             <a:endParaRPr lang="en-CN"/>
           </a:p>
@@ -685,7 +685,7 @@
           <a:p>
             <a:fld id="{9BAD9BFC-3D75-E94F-A29D-2F1B9ADA1AF9}" type="datetimeFigureOut">
               <a:rPr lang="en-CN" smtClean="0"/>
-              <a:t>2024/12/1</a:t>
+              <a:t>2024/12/11</a:t>
             </a:fld>
             <a:endParaRPr lang="en-CN"/>
           </a:p>
@@ -855,7 +855,7 @@
           <a:p>
             <a:fld id="{9BAD9BFC-3D75-E94F-A29D-2F1B9ADA1AF9}" type="datetimeFigureOut">
               <a:rPr lang="en-CN" smtClean="0"/>
-              <a:t>2024/12/1</a:t>
+              <a:t>2024/12/11</a:t>
             </a:fld>
             <a:endParaRPr lang="en-CN"/>
           </a:p>
@@ -1035,7 +1035,7 @@
           <a:p>
             <a:fld id="{9BAD9BFC-3D75-E94F-A29D-2F1B9ADA1AF9}" type="datetimeFigureOut">
               <a:rPr lang="en-CN" smtClean="0"/>
-              <a:t>2024/12/1</a:t>
+              <a:t>2024/12/11</a:t>
             </a:fld>
             <a:endParaRPr lang="en-CN"/>
           </a:p>
@@ -1205,7 +1205,7 @@
           <a:p>
             <a:fld id="{9BAD9BFC-3D75-E94F-A29D-2F1B9ADA1AF9}" type="datetimeFigureOut">
               <a:rPr lang="en-CN" smtClean="0"/>
-              <a:t>2024/12/1</a:t>
+              <a:t>2024/12/11</a:t>
             </a:fld>
             <a:endParaRPr lang="en-CN"/>
           </a:p>
@@ -1449,7 +1449,7 @@
           <a:p>
             <a:fld id="{9BAD9BFC-3D75-E94F-A29D-2F1B9ADA1AF9}" type="datetimeFigureOut">
               <a:rPr lang="en-CN" smtClean="0"/>
-              <a:t>2024/12/1</a:t>
+              <a:t>2024/12/11</a:t>
             </a:fld>
             <a:endParaRPr lang="en-CN"/>
           </a:p>
@@ -1681,7 +1681,7 @@
           <a:p>
             <a:fld id="{9BAD9BFC-3D75-E94F-A29D-2F1B9ADA1AF9}" type="datetimeFigureOut">
               <a:rPr lang="en-CN" smtClean="0"/>
-              <a:t>2024/12/1</a:t>
+              <a:t>2024/12/11</a:t>
             </a:fld>
             <a:endParaRPr lang="en-CN"/>
           </a:p>
@@ -2048,7 +2048,7 @@
           <a:p>
             <a:fld id="{9BAD9BFC-3D75-E94F-A29D-2F1B9ADA1AF9}" type="datetimeFigureOut">
               <a:rPr lang="en-CN" smtClean="0"/>
-              <a:t>2024/12/1</a:t>
+              <a:t>2024/12/11</a:t>
             </a:fld>
             <a:endParaRPr lang="en-CN"/>
           </a:p>
@@ -2166,7 +2166,7 @@
           <a:p>
             <a:fld id="{9BAD9BFC-3D75-E94F-A29D-2F1B9ADA1AF9}" type="datetimeFigureOut">
               <a:rPr lang="en-CN" smtClean="0"/>
-              <a:t>2024/12/1</a:t>
+              <a:t>2024/12/11</a:t>
             </a:fld>
             <a:endParaRPr lang="en-CN"/>
           </a:p>
@@ -2261,7 +2261,7 @@
           <a:p>
             <a:fld id="{9BAD9BFC-3D75-E94F-A29D-2F1B9ADA1AF9}" type="datetimeFigureOut">
               <a:rPr lang="en-CN" smtClean="0"/>
-              <a:t>2024/12/1</a:t>
+              <a:t>2024/12/11</a:t>
             </a:fld>
             <a:endParaRPr lang="en-CN"/>
           </a:p>
@@ -2538,7 +2538,7 @@
           <a:p>
             <a:fld id="{9BAD9BFC-3D75-E94F-A29D-2F1B9ADA1AF9}" type="datetimeFigureOut">
               <a:rPr lang="en-CN" smtClean="0"/>
-              <a:t>2024/12/1</a:t>
+              <a:t>2024/12/11</a:t>
             </a:fld>
             <a:endParaRPr lang="en-CN"/>
           </a:p>
@@ -2795,7 +2795,7 @@
           <a:p>
             <a:fld id="{9BAD9BFC-3D75-E94F-A29D-2F1B9ADA1AF9}" type="datetimeFigureOut">
               <a:rPr lang="en-CN" smtClean="0"/>
-              <a:t>2024/12/1</a:t>
+              <a:t>2024/12/11</a:t>
             </a:fld>
             <a:endParaRPr lang="en-CN"/>
           </a:p>
@@ -3008,7 +3008,7 @@
           <a:p>
             <a:fld id="{9BAD9BFC-3D75-E94F-A29D-2F1B9ADA1AF9}" type="datetimeFigureOut">
               <a:rPr lang="en-CN" smtClean="0"/>
-              <a:t>2024/12/1</a:t>
+              <a:t>2024/12/11</a:t>
             </a:fld>
             <a:endParaRPr lang="en-CN"/>
           </a:p>
@@ -4606,8 +4606,8 @@
             </a:p>
           </p:txBody>
         </p:sp>
-        <mc:AlternateContent xmlns:mc="http://schemas.openxmlformats.org/markup-compatibility/2006">
-          <mc:Choice xmlns:a14="http://schemas.microsoft.com/office/drawing/2010/main" Requires="a14">
+        <mc:AlternateContent xmlns:mc="http://schemas.openxmlformats.org/markup-compatibility/2006" xmlns:a14="http://schemas.microsoft.com/office/drawing/2010/main">
+          <mc:Choice Requires="a14">
             <p:sp>
               <p:nvSpPr>
                 <p:cNvPr id="12" name="TextBox 11">
@@ -5290,7 +5290,7 @@
               </p:txBody>
             </p:sp>
           </mc:Choice>
-          <mc:Fallback>
+          <mc:Fallback xmlns="">
             <p:sp>
               <p:nvSpPr>
                 <p:cNvPr id="12" name="TextBox 11">
@@ -7015,7 +7015,7 @@
             <p:spPr>
               <a:xfrm>
                 <a:off x="-29817" y="8716095"/>
-                <a:ext cx="4083169" cy="939809"/>
+                <a:ext cx="4180953" cy="939809"/>
               </a:xfrm>
               <a:prstGeom prst="rect">
                 <a:avLst/>
@@ -7109,8 +7109,8 @@
                   <a:t> </a:t>
                 </a:r>
                 <a:r>
-                  <a:rPr lang="en-US" altLang="zh-CN" sz="1101" dirty="0" err="1"/>
-                  <a:t>xxxx:xxxxx</a:t>
+                  <a:rPr lang="en-US" altLang="zh-CN" sz="1000" dirty="0"/>
+                  <a:t>2412.04402</a:t>
                 </a:r>
                 <a:endParaRPr lang="en-US" altLang="zh-CN" sz="1101" dirty="0"/>
               </a:p>
@@ -7489,7 +7489,7 @@
             <p:spPr>
               <a:xfrm>
                 <a:off x="-29817" y="8716095"/>
-                <a:ext cx="4083169" cy="939809"/>
+                <a:ext cx="4180953" cy="939809"/>
               </a:xfrm>
               <a:prstGeom prst="rect">
                 <a:avLst/>
@@ -7516,8 +7516,8 @@
           </p:sp>
         </mc:Fallback>
       </mc:AlternateContent>
-      <mc:AlternateContent xmlns:mc="http://schemas.openxmlformats.org/markup-compatibility/2006">
-        <mc:Choice xmlns:a14="http://schemas.microsoft.com/office/drawing/2010/main" Requires="a14">
+      <mc:AlternateContent xmlns:mc="http://schemas.openxmlformats.org/markup-compatibility/2006" xmlns:a14="http://schemas.microsoft.com/office/drawing/2010/main">
+        <mc:Choice Requires="a14">
           <p:sp>
             <p:nvSpPr>
               <p:cNvPr id="85" name="TextBox 84">
@@ -7750,7 +7750,7 @@
             </p:txBody>
           </p:sp>
         </mc:Choice>
-        <mc:Fallback>
+        <mc:Fallback xmlns="">
           <p:sp>
             <p:nvSpPr>
               <p:cNvPr id="85" name="TextBox 84">
